--- a/presentation.pptx
+++ b/presentation.pptx
@@ -7,13 +7,15 @@
   <p:sldIdLst>
     <p:sldId id="256" r:id="rId2"/>
     <p:sldId id="260" r:id="rId3"/>
-    <p:sldId id="257" r:id="rId4"/>
+    <p:sldId id="270" r:id="rId4"/>
     <p:sldId id="265" r:id="rId5"/>
     <p:sldId id="261" r:id="rId6"/>
     <p:sldId id="263" r:id="rId7"/>
     <p:sldId id="264" r:id="rId8"/>
     <p:sldId id="266" r:id="rId9"/>
     <p:sldId id="267" r:id="rId10"/>
+    <p:sldId id="268" r:id="rId11"/>
+    <p:sldId id="269" r:id="rId12"/>
   </p:sldIdLst>
   <p:sldSz cx="12192000" cy="6858000"/>
   <p:notesSz cx="6858000" cy="9144000"/>
@@ -4007,6 +4009,847 @@
 </p:sld>
 </file>
 
+<file path=ppt/slides/slide10.xml><?xml version="1.0" encoding="utf-8"?>
+<p:sld xmlns:a="http://schemas.openxmlformats.org/drawingml/2006/main" xmlns:r="http://schemas.openxmlformats.org/officeDocument/2006/relationships" xmlns:p="http://schemas.openxmlformats.org/presentationml/2006/main">
+  <p:cSld>
+    <p:bg>
+      <p:bgPr>
+        <a:solidFill>
+          <a:schemeClr val="bg1"/>
+        </a:solidFill>
+        <a:effectLst/>
+      </p:bgPr>
+    </p:bg>
+    <p:spTree>
+      <p:nvGrpSpPr>
+        <p:cNvPr id="1" name="">
+          <a:extLst>
+            <a:ext uri="{FF2B5EF4-FFF2-40B4-BE49-F238E27FC236}">
+              <a16:creationId xmlns:a16="http://schemas.microsoft.com/office/drawing/2014/main" id="{AF884F0E-A060-4CF1-8BF1-7BBFA5D18072}"/>
+            </a:ext>
+          </a:extLst>
+        </p:cNvPr>
+        <p:cNvGrpSpPr/>
+        <p:nvPr/>
+      </p:nvGrpSpPr>
+      <p:grpSpPr>
+        <a:xfrm>
+          <a:off x="0" y="0"/>
+          <a:ext cx="0" cy="0"/>
+          <a:chOff x="0" y="0"/>
+          <a:chExt cx="0" cy="0"/>
+        </a:xfrm>
+      </p:grpSpPr>
+      <p:sp useBgFill="1">
+        <p:nvSpPr>
+          <p:cNvPr id="36" name="Rectangle 35">
+            <a:extLst>
+              <a:ext uri="{FF2B5EF4-FFF2-40B4-BE49-F238E27FC236}">
+                <a16:creationId xmlns:a16="http://schemas.microsoft.com/office/drawing/2014/main" id="{77C6039C-4174-3299-D7ED-C79E0F11CDD8}"/>
+              </a:ext>
+              <a:ext uri="{C183D7F6-B498-43B3-948B-1728B52AA6E4}">
+                <adec:decorative xmlns:adec="http://schemas.microsoft.com/office/drawing/2017/decorative" val="1"/>
+              </a:ext>
+            </a:extLst>
+          </p:cNvPr>
+          <p:cNvSpPr>
+            <a:spLocks noGrp="1" noRot="1" noChangeAspect="1" noMove="1" noResize="1" noEditPoints="1" noAdjustHandles="1" noChangeArrowheads="1" noChangeShapeType="1" noTextEdit="1"/>
+          </p:cNvSpPr>
+          <p:nvPr>
+            <p:extLst>
+              <p:ext uri="{386F3935-93C4-4BCD-93E2-E3B085C9AB24}">
+                <p16:designElem xmlns:p16="http://schemas.microsoft.com/office/powerpoint/2015/main" val="1"/>
+              </p:ext>
+            </p:extLst>
+          </p:nvPr>
+        </p:nvSpPr>
+        <p:spPr>
+          <a:xfrm>
+            <a:off x="0" y="0"/>
+            <a:ext cx="12192000" cy="6858000"/>
+          </a:xfrm>
+          <a:prstGeom prst="rect">
+            <a:avLst/>
+          </a:prstGeom>
+          <a:ln w="12700" cap="flat" cmpd="sng" algn="ctr">
+            <a:noFill/>
+            <a:prstDash val="solid"/>
+            <a:miter lim="800000"/>
+          </a:ln>
+          <a:effectLst/>
+          <a:extLst>
+            <a:ext uri="{91240B29-F687-4F45-9708-019B960494DF}">
+              <a14:hiddenLine xmlns:a14="http://schemas.microsoft.com/office/drawing/2010/main" w="12700" cap="flat" cmpd="sng" algn="ctr">
+                <a:solidFill>
+                  <a:schemeClr val="accent1">
+                    <a:shade val="50000"/>
+                  </a:schemeClr>
+                </a:solidFill>
+                <a:prstDash val="solid"/>
+                <a:miter lim="800000"/>
+              </a14:hiddenLine>
+            </a:ext>
+          </a:extLst>
+        </p:spPr>
+        <p:style>
+          <a:lnRef idx="2">
+            <a:schemeClr val="accent1">
+              <a:shade val="50000"/>
+            </a:schemeClr>
+          </a:lnRef>
+          <a:fillRef idx="1">
+            <a:schemeClr val="accent1"/>
+          </a:fillRef>
+          <a:effectRef idx="0">
+            <a:schemeClr val="accent1"/>
+          </a:effectRef>
+          <a:fontRef idx="minor">
+            <a:schemeClr val="lt1"/>
+          </a:fontRef>
+        </p:style>
+        <p:txBody>
+          <a:bodyPr rtlCol="0" anchor="ctr"/>
+          <a:lstStyle/>
+          <a:p>
+            <a:pPr algn="ctr"/>
+            <a:endParaRPr lang="en-US"/>
+          </a:p>
+        </p:txBody>
+      </p:sp>
+      <p:pic>
+        <p:nvPicPr>
+          <p:cNvPr id="4" name="Picture 3">
+            <a:extLst>
+              <a:ext uri="{FF2B5EF4-FFF2-40B4-BE49-F238E27FC236}">
+                <a16:creationId xmlns:a16="http://schemas.microsoft.com/office/drawing/2014/main" id="{683225FB-2157-CC70-DBC2-47A4F44FDF6E}"/>
+              </a:ext>
+            </a:extLst>
+          </p:cNvPr>
+          <p:cNvPicPr>
+            <a:picLocks noChangeAspect="1"/>
+          </p:cNvPicPr>
+          <p:nvPr/>
+        </p:nvPicPr>
+        <p:blipFill>
+          <a:blip r:embed="rId2">
+            <a:alphaModFix amt="40000"/>
+          </a:blip>
+          <a:srcRect l="9091" t="15128"/>
+          <a:stretch>
+            <a:fillRect/>
+          </a:stretch>
+        </p:blipFill>
+        <p:spPr>
+          <a:xfrm>
+            <a:off x="0" y="152"/>
+            <a:ext cx="12191980" cy="6857848"/>
+          </a:xfrm>
+          <a:prstGeom prst="rect">
+            <a:avLst/>
+          </a:prstGeom>
+        </p:spPr>
+      </p:pic>
+      <p:sp>
+        <p:nvSpPr>
+          <p:cNvPr id="2" name="Title 1">
+            <a:extLst>
+              <a:ext uri="{FF2B5EF4-FFF2-40B4-BE49-F238E27FC236}">
+                <a16:creationId xmlns:a16="http://schemas.microsoft.com/office/drawing/2014/main" id="{38BC3BC0-445F-127D-492F-77EC38B44EEE}"/>
+              </a:ext>
+            </a:extLst>
+          </p:cNvPr>
+          <p:cNvSpPr>
+            <a:spLocks noGrp="1"/>
+          </p:cNvSpPr>
+          <p:nvPr>
+            <p:ph type="ctrTitle"/>
+          </p:nvPr>
+        </p:nvSpPr>
+        <p:spPr>
+          <a:xfrm>
+            <a:off x="2646619" y="2420517"/>
+            <a:ext cx="6898741" cy="2016965"/>
+          </a:xfrm>
+        </p:spPr>
+        <p:txBody>
+          <a:bodyPr vert="horz" lIns="91440" tIns="45720" rIns="91440" bIns="45720" rtlCol="0" anchor="t">
+            <a:normAutofit/>
+          </a:bodyPr>
+          <a:lstStyle/>
+          <a:p>
+            <a:pPr algn="ctr"/>
+            <a:r>
+              <a:rPr lang="en-US" sz="6000" dirty="0">
+                <a:solidFill>
+                  <a:srgbClr val="FFFFFF"/>
+                </a:solidFill>
+              </a:rPr>
+              <a:t>Resources sharing Features</a:t>
+            </a:r>
+          </a:p>
+        </p:txBody>
+      </p:sp>
+      <p:cxnSp>
+        <p:nvCxnSpPr>
+          <p:cNvPr id="38" name="Straight Connector 37">
+            <a:extLst>
+              <a:ext uri="{FF2B5EF4-FFF2-40B4-BE49-F238E27FC236}">
+                <a16:creationId xmlns:a16="http://schemas.microsoft.com/office/drawing/2014/main" id="{4E8BAF7E-881A-1A86-12ED-350C902F00E5}"/>
+              </a:ext>
+              <a:ext uri="{C183D7F6-B498-43B3-948B-1728B52AA6E4}">
+                <adec:decorative xmlns:adec="http://schemas.microsoft.com/office/drawing/2017/decorative" val="1"/>
+              </a:ext>
+            </a:extLst>
+          </p:cNvPr>
+          <p:cNvCxnSpPr>
+            <a:cxnSpLocks noGrp="1" noRot="1" noChangeAspect="1" noMove="1" noResize="1" noEditPoints="1" noAdjustHandles="1" noChangeArrowheads="1" noChangeShapeType="1"/>
+          </p:cNvCxnSpPr>
+          <p:nvPr>
+            <p:extLst>
+              <p:ext uri="{386F3935-93C4-4BCD-93E2-E3B085C9AB24}">
+                <p16:designElem xmlns:p16="http://schemas.microsoft.com/office/powerpoint/2015/main" val="1"/>
+              </p:ext>
+            </p:extLst>
+          </p:nvPr>
+        </p:nvCxnSpPr>
+        <p:spPr>
+          <a:xfrm>
+            <a:off x="713232" y="4954368"/>
+            <a:ext cx="978862" cy="0"/>
+          </a:xfrm>
+          <a:prstGeom prst="line">
+            <a:avLst/>
+          </a:prstGeom>
+          <a:ln w="76200"/>
+        </p:spPr>
+        <p:style>
+          <a:lnRef idx="1">
+            <a:schemeClr val="accent1"/>
+          </a:lnRef>
+          <a:fillRef idx="0">
+            <a:schemeClr val="accent1"/>
+          </a:fillRef>
+          <a:effectRef idx="0">
+            <a:schemeClr val="accent1"/>
+          </a:effectRef>
+          <a:fontRef idx="minor">
+            <a:schemeClr val="tx1"/>
+          </a:fontRef>
+        </p:style>
+      </p:cxnSp>
+    </p:spTree>
+    <p:extLst>
+      <p:ext uri="{BB962C8B-B14F-4D97-AF65-F5344CB8AC3E}">
+        <p14:creationId xmlns:p14="http://schemas.microsoft.com/office/powerpoint/2010/main" val="3356104690"/>
+      </p:ext>
+    </p:extLst>
+  </p:cSld>
+  <p:clrMapOvr>
+    <a:overrideClrMapping bg1="dk1" tx1="lt1" bg2="dk2" tx2="lt2" accent1="accent1" accent2="accent2" accent3="accent3" accent4="accent4" accent5="accent5" accent6="accent6" hlink="hlink" folHlink="folHlink"/>
+  </p:clrMapOvr>
+</p:sld>
+</file>
+
+<file path=ppt/slides/slide11.xml><?xml version="1.0" encoding="utf-8"?>
+<p:sld xmlns:a="http://schemas.openxmlformats.org/drawingml/2006/main" xmlns:r="http://schemas.openxmlformats.org/officeDocument/2006/relationships" xmlns:p="http://schemas.openxmlformats.org/presentationml/2006/main">
+  <p:cSld>
+    <p:bg>
+      <p:bgPr>
+        <a:solidFill>
+          <a:schemeClr val="bg1"/>
+        </a:solidFill>
+        <a:effectLst/>
+      </p:bgPr>
+    </p:bg>
+    <p:spTree>
+      <p:nvGrpSpPr>
+        <p:cNvPr id="1" name="">
+          <a:extLst>
+            <a:ext uri="{FF2B5EF4-FFF2-40B4-BE49-F238E27FC236}">
+              <a16:creationId xmlns:a16="http://schemas.microsoft.com/office/drawing/2014/main" id="{F8778592-B2F4-DBA3-8864-410CAF12C235}"/>
+            </a:ext>
+          </a:extLst>
+        </p:cNvPr>
+        <p:cNvGrpSpPr/>
+        <p:nvPr/>
+      </p:nvGrpSpPr>
+      <p:grpSpPr>
+        <a:xfrm>
+          <a:off x="0" y="0"/>
+          <a:ext cx="0" cy="0"/>
+          <a:chOff x="0" y="0"/>
+          <a:chExt cx="0" cy="0"/>
+        </a:xfrm>
+      </p:grpSpPr>
+      <p:sp useBgFill="1">
+        <p:nvSpPr>
+          <p:cNvPr id="35" name="Rectangle 34">
+            <a:extLst>
+              <a:ext uri="{FF2B5EF4-FFF2-40B4-BE49-F238E27FC236}">
+                <a16:creationId xmlns:a16="http://schemas.microsoft.com/office/drawing/2014/main" id="{6DC1551F-791E-618B-AE05-E7F1AC1706CE}"/>
+              </a:ext>
+              <a:ext uri="{C183D7F6-B498-43B3-948B-1728B52AA6E4}">
+                <adec:decorative xmlns:adec="http://schemas.microsoft.com/office/drawing/2017/decorative" val="1"/>
+              </a:ext>
+            </a:extLst>
+          </p:cNvPr>
+          <p:cNvSpPr>
+            <a:spLocks noGrp="1" noRot="1" noChangeAspect="1" noMove="1" noResize="1" noEditPoints="1" noAdjustHandles="1" noChangeArrowheads="1" noChangeShapeType="1" noTextEdit="1"/>
+          </p:cNvSpPr>
+          <p:nvPr>
+            <p:extLst>
+              <p:ext uri="{386F3935-93C4-4BCD-93E2-E3B085C9AB24}">
+                <p16:designElem xmlns:p16="http://schemas.microsoft.com/office/powerpoint/2015/main" val="1"/>
+              </p:ext>
+            </p:extLst>
+          </p:nvPr>
+        </p:nvSpPr>
+        <p:spPr>
+          <a:xfrm>
+            <a:off x="0" y="0"/>
+            <a:ext cx="12192000" cy="6858000"/>
+          </a:xfrm>
+          <a:prstGeom prst="rect">
+            <a:avLst/>
+          </a:prstGeom>
+          <a:ln w="12700" cap="flat" cmpd="sng" algn="ctr">
+            <a:noFill/>
+            <a:prstDash val="solid"/>
+            <a:miter lim="800000"/>
+          </a:ln>
+          <a:effectLst/>
+          <a:extLst>
+            <a:ext uri="{91240B29-F687-4F45-9708-019B960494DF}">
+              <a14:hiddenLine xmlns:a14="http://schemas.microsoft.com/office/drawing/2010/main" w="12700" cap="flat" cmpd="sng" algn="ctr">
+                <a:solidFill>
+                  <a:schemeClr val="accent1">
+                    <a:shade val="50000"/>
+                  </a:schemeClr>
+                </a:solidFill>
+                <a:prstDash val="solid"/>
+                <a:miter lim="800000"/>
+              </a14:hiddenLine>
+            </a:ext>
+          </a:extLst>
+        </p:spPr>
+        <p:style>
+          <a:lnRef idx="2">
+            <a:schemeClr val="accent1">
+              <a:shade val="50000"/>
+            </a:schemeClr>
+          </a:lnRef>
+          <a:fillRef idx="1">
+            <a:schemeClr val="accent1"/>
+          </a:fillRef>
+          <a:effectRef idx="0">
+            <a:schemeClr val="accent1"/>
+          </a:effectRef>
+          <a:fontRef idx="minor">
+            <a:schemeClr val="lt1"/>
+          </a:fontRef>
+        </p:style>
+        <p:txBody>
+          <a:bodyPr rtlCol="0" anchor="ctr"/>
+          <a:lstStyle/>
+          <a:p>
+            <a:pPr algn="ctr"/>
+            <a:endParaRPr lang="en-US"/>
+          </a:p>
+        </p:txBody>
+      </p:sp>
+      <p:sp>
+        <p:nvSpPr>
+          <p:cNvPr id="36" name="Rectangle 35">
+            <a:extLst>
+              <a:ext uri="{FF2B5EF4-FFF2-40B4-BE49-F238E27FC236}">
+                <a16:creationId xmlns:a16="http://schemas.microsoft.com/office/drawing/2014/main" id="{CB99B351-E10A-2D43-5EEC-BDB16D2CE249}"/>
+              </a:ext>
+              <a:ext uri="{C183D7F6-B498-43B3-948B-1728B52AA6E4}">
+                <adec:decorative xmlns:adec="http://schemas.microsoft.com/office/drawing/2017/decorative" val="1"/>
+              </a:ext>
+            </a:extLst>
+          </p:cNvPr>
+          <p:cNvSpPr>
+            <a:spLocks noGrp="1" noRot="1" noChangeAspect="1" noMove="1" noResize="1" noEditPoints="1" noAdjustHandles="1" noChangeArrowheads="1" noChangeShapeType="1" noTextEdit="1"/>
+          </p:cNvSpPr>
+          <p:nvPr>
+            <p:extLst>
+              <p:ext uri="{386F3935-93C4-4BCD-93E2-E3B085C9AB24}">
+                <p16:designElem xmlns:p16="http://schemas.microsoft.com/office/powerpoint/2015/main" val="1"/>
+              </p:ext>
+            </p:extLst>
+          </p:nvPr>
+        </p:nvSpPr>
+        <p:spPr>
+          <a:xfrm>
+            <a:off x="1" y="0"/>
+            <a:ext cx="6896636" cy="6858000"/>
+          </a:xfrm>
+          <a:prstGeom prst="rect">
+            <a:avLst/>
+          </a:prstGeom>
+          <a:gradFill flip="none" rotWithShape="1">
+            <a:gsLst>
+              <a:gs pos="0">
+                <a:srgbClr val="000000">
+                  <a:alpha val="0"/>
+                </a:srgbClr>
+              </a:gs>
+              <a:gs pos="58000">
+                <a:srgbClr val="000000">
+                  <a:alpha val="55000"/>
+                </a:srgbClr>
+              </a:gs>
+              <a:gs pos="93000">
+                <a:srgbClr val="000000">
+                  <a:alpha val="64000"/>
+                </a:srgbClr>
+              </a:gs>
+            </a:gsLst>
+            <a:lin ang="10800000" scaled="1"/>
+            <a:tileRect/>
+          </a:gradFill>
+          <a:ln>
+            <a:noFill/>
+          </a:ln>
+        </p:spPr>
+        <p:style>
+          <a:lnRef idx="2">
+            <a:schemeClr val="accent1">
+              <a:shade val="50000"/>
+            </a:schemeClr>
+          </a:lnRef>
+          <a:fillRef idx="1">
+            <a:schemeClr val="accent1"/>
+          </a:fillRef>
+          <a:effectRef idx="0">
+            <a:schemeClr val="accent1"/>
+          </a:effectRef>
+          <a:fontRef idx="minor">
+            <a:schemeClr val="lt1"/>
+          </a:fontRef>
+        </p:style>
+        <p:txBody>
+          <a:bodyPr rtlCol="0" anchor="ctr"/>
+          <a:lstStyle>
+            <a:defPPr>
+              <a:defRPr lang="en-US"/>
+            </a:defPPr>
+            <a:lvl1pPr marL="0" algn="l" defTabSz="914400" rtl="0" eaLnBrk="1" latinLnBrk="0" hangingPunct="1">
+              <a:defRPr sz="1800" kern="1200">
+                <a:solidFill>
+                  <a:schemeClr val="lt1"/>
+                </a:solidFill>
+                <a:latin typeface="+mn-lt"/>
+                <a:ea typeface="+mn-ea"/>
+                <a:cs typeface="+mn-cs"/>
+              </a:defRPr>
+            </a:lvl1pPr>
+            <a:lvl2pPr marL="457200" algn="l" defTabSz="914400" rtl="0" eaLnBrk="1" latinLnBrk="0" hangingPunct="1">
+              <a:defRPr sz="1800" kern="1200">
+                <a:solidFill>
+                  <a:schemeClr val="lt1"/>
+                </a:solidFill>
+                <a:latin typeface="+mn-lt"/>
+                <a:ea typeface="+mn-ea"/>
+                <a:cs typeface="+mn-cs"/>
+              </a:defRPr>
+            </a:lvl2pPr>
+            <a:lvl3pPr marL="914400" algn="l" defTabSz="914400" rtl="0" eaLnBrk="1" latinLnBrk="0" hangingPunct="1">
+              <a:defRPr sz="1800" kern="1200">
+                <a:solidFill>
+                  <a:schemeClr val="lt1"/>
+                </a:solidFill>
+                <a:latin typeface="+mn-lt"/>
+                <a:ea typeface="+mn-ea"/>
+                <a:cs typeface="+mn-cs"/>
+              </a:defRPr>
+            </a:lvl3pPr>
+            <a:lvl4pPr marL="1371600" algn="l" defTabSz="914400" rtl="0" eaLnBrk="1" latinLnBrk="0" hangingPunct="1">
+              <a:defRPr sz="1800" kern="1200">
+                <a:solidFill>
+                  <a:schemeClr val="lt1"/>
+                </a:solidFill>
+                <a:latin typeface="+mn-lt"/>
+                <a:ea typeface="+mn-ea"/>
+                <a:cs typeface="+mn-cs"/>
+              </a:defRPr>
+            </a:lvl4pPr>
+            <a:lvl5pPr marL="1828800" algn="l" defTabSz="914400" rtl="0" eaLnBrk="1" latinLnBrk="0" hangingPunct="1">
+              <a:defRPr sz="1800" kern="1200">
+                <a:solidFill>
+                  <a:schemeClr val="lt1"/>
+                </a:solidFill>
+                <a:latin typeface="+mn-lt"/>
+                <a:ea typeface="+mn-ea"/>
+                <a:cs typeface="+mn-cs"/>
+              </a:defRPr>
+            </a:lvl5pPr>
+            <a:lvl6pPr marL="2286000" algn="l" defTabSz="914400" rtl="0" eaLnBrk="1" latinLnBrk="0" hangingPunct="1">
+              <a:defRPr sz="1800" kern="1200">
+                <a:solidFill>
+                  <a:schemeClr val="lt1"/>
+                </a:solidFill>
+                <a:latin typeface="+mn-lt"/>
+                <a:ea typeface="+mn-ea"/>
+                <a:cs typeface="+mn-cs"/>
+              </a:defRPr>
+            </a:lvl6pPr>
+            <a:lvl7pPr marL="2743200" algn="l" defTabSz="914400" rtl="0" eaLnBrk="1" latinLnBrk="0" hangingPunct="1">
+              <a:defRPr sz="1800" kern="1200">
+                <a:solidFill>
+                  <a:schemeClr val="lt1"/>
+                </a:solidFill>
+                <a:latin typeface="+mn-lt"/>
+                <a:ea typeface="+mn-ea"/>
+                <a:cs typeface="+mn-cs"/>
+              </a:defRPr>
+            </a:lvl7pPr>
+            <a:lvl8pPr marL="3200400" algn="l" defTabSz="914400" rtl="0" eaLnBrk="1" latinLnBrk="0" hangingPunct="1">
+              <a:defRPr sz="1800" kern="1200">
+                <a:solidFill>
+                  <a:schemeClr val="lt1"/>
+                </a:solidFill>
+                <a:latin typeface="+mn-lt"/>
+                <a:ea typeface="+mn-ea"/>
+                <a:cs typeface="+mn-cs"/>
+              </a:defRPr>
+            </a:lvl8pPr>
+            <a:lvl9pPr marL="3657600" algn="l" defTabSz="914400" rtl="0" eaLnBrk="1" latinLnBrk="0" hangingPunct="1">
+              <a:defRPr sz="1800" kern="1200">
+                <a:solidFill>
+                  <a:schemeClr val="lt1"/>
+                </a:solidFill>
+                <a:latin typeface="+mn-lt"/>
+                <a:ea typeface="+mn-ea"/>
+                <a:cs typeface="+mn-cs"/>
+              </a:defRPr>
+            </a:lvl9pPr>
+          </a:lstStyle>
+          <a:p>
+            <a:pPr algn="ctr"/>
+            <a:endParaRPr lang="en-US"/>
+          </a:p>
+        </p:txBody>
+      </p:sp>
+      <p:cxnSp>
+        <p:nvCxnSpPr>
+          <p:cNvPr id="37" name="Straight Connector 36">
+            <a:extLst>
+              <a:ext uri="{FF2B5EF4-FFF2-40B4-BE49-F238E27FC236}">
+                <a16:creationId xmlns:a16="http://schemas.microsoft.com/office/drawing/2014/main" id="{398725FA-62F0-BEA3-909D-2577F02334A8}"/>
+              </a:ext>
+              <a:ext uri="{C183D7F6-B498-43B3-948B-1728B52AA6E4}">
+                <adec:decorative xmlns:adec="http://schemas.microsoft.com/office/drawing/2017/decorative" val="1"/>
+              </a:ext>
+            </a:extLst>
+          </p:cNvPr>
+          <p:cNvCxnSpPr>
+            <a:cxnSpLocks noGrp="1" noRot="1" noChangeAspect="1" noMove="1" noResize="1" noEditPoints="1" noAdjustHandles="1" noChangeArrowheads="1" noChangeShapeType="1"/>
+          </p:cNvCxnSpPr>
+          <p:nvPr>
+            <p:extLst>
+              <p:ext uri="{386F3935-93C4-4BCD-93E2-E3B085C9AB24}">
+                <p16:designElem xmlns:p16="http://schemas.microsoft.com/office/powerpoint/2015/main" val="1"/>
+              </p:ext>
+            </p:extLst>
+          </p:nvPr>
+        </p:nvCxnSpPr>
+        <p:spPr>
+          <a:xfrm>
+            <a:off x="713232" y="4861206"/>
+            <a:ext cx="978862" cy="0"/>
+          </a:xfrm>
+          <a:prstGeom prst="line">
+            <a:avLst/>
+          </a:prstGeom>
+          <a:ln w="76200">
+            <a:solidFill>
+              <a:schemeClr val="accent1"/>
+            </a:solidFill>
+          </a:ln>
+        </p:spPr>
+        <p:style>
+          <a:lnRef idx="1">
+            <a:schemeClr val="accent1"/>
+          </a:lnRef>
+          <a:fillRef idx="0">
+            <a:schemeClr val="accent1"/>
+          </a:fillRef>
+          <a:effectRef idx="0">
+            <a:schemeClr val="accent1"/>
+          </a:effectRef>
+          <a:fontRef idx="minor">
+            <a:schemeClr val="tx1"/>
+          </a:fontRef>
+        </p:style>
+      </p:cxnSp>
+      <p:pic>
+        <p:nvPicPr>
+          <p:cNvPr id="4" name="Picture 3">
+            <a:extLst>
+              <a:ext uri="{FF2B5EF4-FFF2-40B4-BE49-F238E27FC236}">
+                <a16:creationId xmlns:a16="http://schemas.microsoft.com/office/drawing/2014/main" id="{4754EF73-14D8-9797-63C6-C921D8EA2E6E}"/>
+              </a:ext>
+            </a:extLst>
+          </p:cNvPr>
+          <p:cNvPicPr>
+            <a:picLocks noGrp="1" noRot="1" noChangeAspect="1" noMove="1" noResize="1" noEditPoints="1" noAdjustHandles="1" noChangeArrowheads="1" noChangeShapeType="1" noCrop="1"/>
+          </p:cNvPicPr>
+          <p:nvPr/>
+        </p:nvPicPr>
+        <p:blipFill>
+          <a:blip r:embed="rId2">
+            <a:alphaModFix amt="35000"/>
+          </a:blip>
+          <a:srcRect l="61444" r="-2" b="-2"/>
+          <a:stretch>
+            <a:fillRect/>
+          </a:stretch>
+        </p:blipFill>
+        <p:spPr>
+          <a:xfrm>
+            <a:off x="-1" y="0"/>
+            <a:ext cx="4388756" cy="6857999"/>
+          </a:xfrm>
+          <a:prstGeom prst="rect">
+            <a:avLst/>
+          </a:prstGeom>
+        </p:spPr>
+      </p:pic>
+      <p:sp>
+        <p:nvSpPr>
+          <p:cNvPr id="3" name="Subtitle 2">
+            <a:extLst>
+              <a:ext uri="{FF2B5EF4-FFF2-40B4-BE49-F238E27FC236}">
+                <a16:creationId xmlns:a16="http://schemas.microsoft.com/office/drawing/2014/main" id="{7E2E80ED-33E3-45BC-3E61-8786E9BDDEB2}"/>
+              </a:ext>
+            </a:extLst>
+          </p:cNvPr>
+          <p:cNvSpPr>
+            <a:spLocks noGrp="1"/>
+          </p:cNvSpPr>
+          <p:nvPr>
+            <p:ph type="subTitle" idx="1"/>
+          </p:nvPr>
+        </p:nvSpPr>
+        <p:spPr>
+          <a:xfrm>
+            <a:off x="186192" y="2358579"/>
+            <a:ext cx="4202563" cy="1978027"/>
+          </a:xfrm>
+        </p:spPr>
+        <p:txBody>
+          <a:bodyPr anchor="t">
+            <a:noAutofit/>
+          </a:bodyPr>
+          <a:lstStyle/>
+          <a:p>
+            <a:pPr>
+              <a:lnSpc>
+                <a:spcPct val="120000"/>
+              </a:lnSpc>
+            </a:pPr>
+            <a:r>
+              <a:rPr lang="en-US" sz="2000" dirty="0">
+                <a:solidFill>
+                  <a:srgbClr val="FFFFFF"/>
+                </a:solidFill>
+              </a:rPr>
+              <a:t>Student and teacher</a:t>
+            </a:r>
+          </a:p>
+          <a:p>
+            <a:pPr>
+              <a:lnSpc>
+                <a:spcPct val="120000"/>
+              </a:lnSpc>
+            </a:pPr>
+            <a:r>
+              <a:rPr lang="en-US" sz="2000" dirty="0">
+                <a:solidFill>
+                  <a:srgbClr val="FFFFFF"/>
+                </a:solidFill>
+              </a:rPr>
+              <a:t>Can </a:t>
+            </a:r>
+            <a:r>
+              <a:rPr lang="en-US" sz="2000" dirty="0" err="1">
+                <a:solidFill>
+                  <a:srgbClr val="FFFFFF"/>
+                </a:solidFill>
+              </a:rPr>
+              <a:t>POSt</a:t>
+            </a:r>
+            <a:r>
+              <a:rPr lang="en-US" sz="2000" dirty="0">
+                <a:solidFill>
+                  <a:srgbClr val="FFFFFF"/>
+                </a:solidFill>
+              </a:rPr>
+              <a:t> resources</a:t>
+            </a:r>
+          </a:p>
+          <a:p>
+            <a:pPr>
+              <a:lnSpc>
+                <a:spcPct val="120000"/>
+              </a:lnSpc>
+            </a:pPr>
+            <a:r>
+              <a:rPr lang="en-US" sz="2000" dirty="0">
+                <a:solidFill>
+                  <a:srgbClr val="FFFFFF"/>
+                </a:solidFill>
+              </a:rPr>
+              <a:t>To share valuable content</a:t>
+            </a:r>
+          </a:p>
+          <a:p>
+            <a:pPr>
+              <a:lnSpc>
+                <a:spcPct val="120000"/>
+              </a:lnSpc>
+            </a:pPr>
+            <a:endParaRPr lang="en-US" sz="2000" dirty="0">
+              <a:solidFill>
+                <a:srgbClr val="FFFFFF"/>
+              </a:solidFill>
+            </a:endParaRPr>
+          </a:p>
+          <a:p>
+            <a:pPr>
+              <a:lnSpc>
+                <a:spcPct val="120000"/>
+              </a:lnSpc>
+            </a:pPr>
+            <a:br>
+              <a:rPr lang="en-US" sz="2000" dirty="0">
+                <a:solidFill>
+                  <a:srgbClr val="FFFFFF"/>
+                </a:solidFill>
+              </a:rPr>
+            </a:br>
+            <a:endParaRPr lang="en-US" sz="2000" dirty="0">
+              <a:solidFill>
+                <a:srgbClr val="FFFFFF"/>
+              </a:solidFill>
+            </a:endParaRPr>
+          </a:p>
+        </p:txBody>
+      </p:sp>
+      <p:sp>
+        <p:nvSpPr>
+          <p:cNvPr id="2" name="Title 1">
+            <a:extLst>
+              <a:ext uri="{FF2B5EF4-FFF2-40B4-BE49-F238E27FC236}">
+                <a16:creationId xmlns:a16="http://schemas.microsoft.com/office/drawing/2014/main" id="{20A5BFCC-D4CB-6560-C6BF-F5A86A12C619}"/>
+              </a:ext>
+            </a:extLst>
+          </p:cNvPr>
+          <p:cNvSpPr>
+            <a:spLocks noGrp="1"/>
+          </p:cNvSpPr>
+          <p:nvPr>
+            <p:ph type="ctrTitle"/>
+          </p:nvPr>
+        </p:nvSpPr>
+        <p:spPr>
+          <a:xfrm>
+            <a:off x="186192" y="162782"/>
+            <a:ext cx="4758673" cy="2168458"/>
+          </a:xfrm>
+        </p:spPr>
+        <p:txBody>
+          <a:bodyPr anchor="t">
+            <a:noAutofit/>
+          </a:bodyPr>
+          <a:lstStyle/>
+          <a:p>
+            <a:r>
+              <a:rPr lang="en-US" sz="3600" dirty="0">
+                <a:solidFill>
+                  <a:srgbClr val="FFFFFF"/>
+                </a:solidFill>
+              </a:rPr>
+              <a:t>Resources sharing</a:t>
+            </a:r>
+          </a:p>
+        </p:txBody>
+      </p:sp>
+      <p:pic>
+        <p:nvPicPr>
+          <p:cNvPr id="7" name="Picture 6">
+            <a:extLst>
+              <a:ext uri="{FF2B5EF4-FFF2-40B4-BE49-F238E27FC236}">
+                <a16:creationId xmlns:a16="http://schemas.microsoft.com/office/drawing/2014/main" id="{706118C7-91A2-6D90-60B8-E7F9B05D792F}"/>
+              </a:ext>
+            </a:extLst>
+          </p:cNvPr>
+          <p:cNvPicPr>
+            <a:picLocks noChangeAspect="1"/>
+          </p:cNvPicPr>
+          <p:nvPr/>
+        </p:nvPicPr>
+        <p:blipFill>
+          <a:blip r:embed="rId3"/>
+          <a:stretch>
+            <a:fillRect/>
+          </a:stretch>
+        </p:blipFill>
+        <p:spPr>
+          <a:xfrm>
+            <a:off x="4388753" y="0"/>
+            <a:ext cx="7803246" cy="4200525"/>
+          </a:xfrm>
+          <a:prstGeom prst="rect">
+            <a:avLst/>
+          </a:prstGeom>
+        </p:spPr>
+      </p:pic>
+      <p:pic>
+        <p:nvPicPr>
+          <p:cNvPr id="9" name="Picture 8">
+            <a:extLst>
+              <a:ext uri="{FF2B5EF4-FFF2-40B4-BE49-F238E27FC236}">
+                <a16:creationId xmlns:a16="http://schemas.microsoft.com/office/drawing/2014/main" id="{B079A7C9-23CE-3287-C8CF-D307C164A8A0}"/>
+              </a:ext>
+            </a:extLst>
+          </p:cNvPr>
+          <p:cNvPicPr>
+            <a:picLocks noChangeAspect="1"/>
+          </p:cNvPicPr>
+          <p:nvPr/>
+        </p:nvPicPr>
+        <p:blipFill>
+          <a:blip r:embed="rId4"/>
+          <a:stretch>
+            <a:fillRect/>
+          </a:stretch>
+        </p:blipFill>
+        <p:spPr>
+          <a:xfrm>
+            <a:off x="4388751" y="3305175"/>
+            <a:ext cx="7803248" cy="3552824"/>
+          </a:xfrm>
+          <a:prstGeom prst="rect">
+            <a:avLst/>
+          </a:prstGeom>
+        </p:spPr>
+      </p:pic>
+    </p:spTree>
+    <p:extLst>
+      <p:ext uri="{BB962C8B-B14F-4D97-AF65-F5344CB8AC3E}">
+        <p14:creationId xmlns:p14="http://schemas.microsoft.com/office/powerpoint/2010/main" val="3700882069"/>
+      </p:ext>
+    </p:extLst>
+  </p:cSld>
+  <p:clrMapOvr>
+    <a:overrideClrMapping bg1="dk1" tx1="lt1" bg2="dk2" tx2="lt2" accent1="accent1" accent2="accent2" accent3="accent3" accent4="accent4" accent5="accent5" accent6="accent6" hlink="hlink" folHlink="folHlink"/>
+  </p:clrMapOvr>
+</p:sld>
+</file>
+
 <file path=ppt/slides/slide2.xml><?xml version="1.0" encoding="utf-8"?>
 <p:sld xmlns:a="http://schemas.openxmlformats.org/drawingml/2006/main" xmlns:r="http://schemas.openxmlformats.org/officeDocument/2006/relationships" xmlns:p="http://schemas.openxmlformats.org/presentationml/2006/main">
   <p:cSld>
@@ -4264,7 +5107,7 @@
         <p:cNvPr id="1" name="">
           <a:extLst>
             <a:ext uri="{FF2B5EF4-FFF2-40B4-BE49-F238E27FC236}">
-              <a16:creationId xmlns:a16="http://schemas.microsoft.com/office/drawing/2014/main" id="{1B698E24-36B7-00CF-9329-661C6A65D220}"/>
+              <a16:creationId xmlns:a16="http://schemas.microsoft.com/office/drawing/2014/main" id="{E1708433-FCC0-539A-3F07-607C5A13E48C}"/>
             </a:ext>
           </a:extLst>
         </p:cNvPr>
@@ -4284,7 +5127,7 @@
           <p:cNvPr id="35" name="Rectangle 34">
             <a:extLst>
               <a:ext uri="{FF2B5EF4-FFF2-40B4-BE49-F238E27FC236}">
-                <a16:creationId xmlns:a16="http://schemas.microsoft.com/office/drawing/2014/main" id="{19F9BF86-FE94-4517-B97D-026C7515E589}"/>
+                <a16:creationId xmlns:a16="http://schemas.microsoft.com/office/drawing/2014/main" id="{CEF2809E-194D-359A-14F5-24DCC4BD8F02}"/>
               </a:ext>
               <a:ext uri="{C183D7F6-B498-43B3-948B-1728B52AA6E4}">
                 <adec:decorative xmlns:adec="http://schemas.microsoft.com/office/drawing/2017/decorative" val="1"/>
@@ -4355,43 +5198,12 @@
           </a:p>
         </p:txBody>
       </p:sp>
-      <p:pic>
-        <p:nvPicPr>
-          <p:cNvPr id="6" name="Picture 5">
-            <a:extLst>
-              <a:ext uri="{FF2B5EF4-FFF2-40B4-BE49-F238E27FC236}">
-                <a16:creationId xmlns:a16="http://schemas.microsoft.com/office/drawing/2014/main" id="{5CDD15EF-9521-8833-9FB9-258BC45F3144}"/>
-              </a:ext>
-            </a:extLst>
-          </p:cNvPr>
-          <p:cNvPicPr>
-            <a:picLocks noChangeAspect="1"/>
-          </p:cNvPicPr>
-          <p:nvPr/>
-        </p:nvPicPr>
-        <p:blipFill>
-          <a:blip r:embed="rId2"/>
-          <a:srcRect r="2998" b="-2"/>
-          <a:stretch>
-            <a:fillRect/>
-          </a:stretch>
-        </p:blipFill>
-        <p:spPr>
-          <a:xfrm>
-            <a:off x="4388777" y="11"/>
-            <a:ext cx="7803224" cy="6857989"/>
-          </a:xfrm>
-          <a:prstGeom prst="rect">
-            <a:avLst/>
-          </a:prstGeom>
-        </p:spPr>
-      </p:pic>
       <p:sp>
         <p:nvSpPr>
           <p:cNvPr id="36" name="Rectangle 35">
             <a:extLst>
               <a:ext uri="{FF2B5EF4-FFF2-40B4-BE49-F238E27FC236}">
-                <a16:creationId xmlns:a16="http://schemas.microsoft.com/office/drawing/2014/main" id="{F8B2ECD5-47B1-47AD-AC9D-045064631A65}"/>
+                <a16:creationId xmlns:a16="http://schemas.microsoft.com/office/drawing/2014/main" id="{3E7A00FF-9A67-B5B9-A657-F3660C728154}"/>
               </a:ext>
               <a:ext uri="{C183D7F6-B498-43B3-948B-1728B52AA6E4}">
                 <adec:decorative xmlns:adec="http://schemas.microsoft.com/office/drawing/2017/decorative" val="1"/>
@@ -4566,7 +5378,7 @@
           <p:cNvPr id="37" name="Straight Connector 36">
             <a:extLst>
               <a:ext uri="{FF2B5EF4-FFF2-40B4-BE49-F238E27FC236}">
-                <a16:creationId xmlns:a16="http://schemas.microsoft.com/office/drawing/2014/main" id="{97CC2FE6-3AD0-4131-B4BC-1F4D65E25E13}"/>
+                <a16:creationId xmlns:a16="http://schemas.microsoft.com/office/drawing/2014/main" id="{B5CF0E53-93F0-7E26-9B13-F0850677C140}"/>
               </a:ext>
               <a:ext uri="{C183D7F6-B498-43B3-948B-1728B52AA6E4}">
                 <adec:decorative xmlns:adec="http://schemas.microsoft.com/office/drawing/2017/decorative" val="1"/>
@@ -4618,7 +5430,7 @@
           <p:cNvPr id="4" name="Picture 3">
             <a:extLst>
               <a:ext uri="{FF2B5EF4-FFF2-40B4-BE49-F238E27FC236}">
-                <a16:creationId xmlns:a16="http://schemas.microsoft.com/office/drawing/2014/main" id="{802270E9-88D9-6D4A-2007-E52C34C61145}"/>
+                <a16:creationId xmlns:a16="http://schemas.microsoft.com/office/drawing/2014/main" id="{6A5670E3-83F9-F16F-640C-260316A66173}"/>
               </a:ext>
             </a:extLst>
           </p:cNvPr>
@@ -4628,7 +5440,7 @@
           <p:nvPr/>
         </p:nvPicPr>
         <p:blipFill>
-          <a:blip r:embed="rId3">
+          <a:blip r:embed="rId2">
             <a:alphaModFix amt="35000"/>
           </a:blip>
           <a:srcRect l="61444" r="-2" b="-2"/>
@@ -4648,31 +5460,285 @@
       </p:pic>
       <p:sp>
         <p:nvSpPr>
-          <p:cNvPr id="3" name="Subtitle 2">
-            <a:extLst>
-              <a:ext uri="{FF2B5EF4-FFF2-40B4-BE49-F238E27FC236}">
-                <a16:creationId xmlns:a16="http://schemas.microsoft.com/office/drawing/2014/main" id="{C3492D7B-F76C-2834-D198-C9DC574DD5E7}"/>
-              </a:ext>
-            </a:extLst>
-          </p:cNvPr>
-          <p:cNvSpPr>
-            <a:spLocks noGrp="1"/>
-          </p:cNvSpPr>
-          <p:nvPr>
-            <p:ph type="subTitle" idx="1"/>
-          </p:nvPr>
+          <p:cNvPr id="5" name="Title 1">
+            <a:extLst>
+              <a:ext uri="{FF2B5EF4-FFF2-40B4-BE49-F238E27FC236}">
+                <a16:creationId xmlns:a16="http://schemas.microsoft.com/office/drawing/2014/main" id="{BD2FE517-D466-7E63-0E11-4E8E77B0ABE1}"/>
+              </a:ext>
+            </a:extLst>
+          </p:cNvPr>
+          <p:cNvSpPr txBox="1">
+            <a:spLocks/>
+          </p:cNvSpPr>
+          <p:nvPr/>
+        </p:nvSpPr>
+        <p:spPr>
+          <a:xfrm>
+            <a:off x="133137" y="126749"/>
+            <a:ext cx="4308672" cy="823866"/>
+          </a:xfrm>
+          <a:prstGeom prst="rect">
+            <a:avLst/>
+          </a:prstGeom>
+        </p:spPr>
+        <p:txBody>
+          <a:bodyPr vert="horz" lIns="91440" tIns="45720" rIns="91440" bIns="45720" rtlCol="0" anchor="t">
+            <a:noAutofit/>
+          </a:bodyPr>
+          <a:lstStyle>
+            <a:lvl1pPr>
+              <a:lnSpc>
+                <a:spcPct val="100000"/>
+              </a:lnSpc>
+              <a:spcBef>
+                <a:spcPct val="0"/>
+              </a:spcBef>
+              <a:buNone/>
+              <a:defRPr sz="3600" b="1">
+                <a:solidFill>
+                  <a:srgbClr val="FFFFFF"/>
+                </a:solidFill>
+                <a:latin typeface="+mj-lt"/>
+                <a:ea typeface="+mj-ea"/>
+                <a:cs typeface="+mj-cs"/>
+              </a:defRPr>
+            </a:lvl1pPr>
+          </a:lstStyle>
+          <a:p>
+            <a:r>
+              <a:rPr lang="en-US" dirty="0"/>
+              <a:t>Account	</a:t>
+            </a:r>
+          </a:p>
+        </p:txBody>
+      </p:sp>
+      <p:pic>
+        <p:nvPicPr>
+          <p:cNvPr id="2" name="Picture 1">
+            <a:extLst>
+              <a:ext uri="{FF2B5EF4-FFF2-40B4-BE49-F238E27FC236}">
+                <a16:creationId xmlns:a16="http://schemas.microsoft.com/office/drawing/2014/main" id="{846AE214-870F-4211-BE94-119DFCDE47C2}"/>
+              </a:ext>
+            </a:extLst>
+          </p:cNvPr>
+          <p:cNvPicPr>
+            <a:picLocks noChangeAspect="1"/>
+          </p:cNvPicPr>
+          <p:nvPr/>
+        </p:nvPicPr>
+        <p:blipFill>
+          <a:blip r:embed="rId3"/>
+          <a:srcRect r="2998" b="-2"/>
+          <a:stretch>
+            <a:fillRect/>
+          </a:stretch>
+        </p:blipFill>
+        <p:spPr>
+          <a:xfrm>
+            <a:off x="4388777" y="-1"/>
+            <a:ext cx="7803224" cy="6857989"/>
+          </a:xfrm>
+          <a:prstGeom prst="rect">
+            <a:avLst/>
+          </a:prstGeom>
+        </p:spPr>
+      </p:pic>
+      <p:sp>
+        <p:nvSpPr>
+          <p:cNvPr id="6" name="Subtitle 2">
+            <a:extLst>
+              <a:ext uri="{FF2B5EF4-FFF2-40B4-BE49-F238E27FC236}">
+                <a16:creationId xmlns:a16="http://schemas.microsoft.com/office/drawing/2014/main" id="{FEA7DD84-D242-E0D4-7A47-8ABDAD0E3253}"/>
+              </a:ext>
+            </a:extLst>
+          </p:cNvPr>
+          <p:cNvSpPr txBox="1">
+            <a:spLocks/>
+          </p:cNvSpPr>
+          <p:nvPr/>
         </p:nvSpPr>
         <p:spPr>
           <a:xfrm>
             <a:off x="186192" y="2358580"/>
             <a:ext cx="4202563" cy="1392192"/>
           </a:xfrm>
-        </p:spPr>
-        <p:txBody>
-          <a:bodyPr anchor="t">
+          <a:prstGeom prst="rect">
+            <a:avLst/>
+          </a:prstGeom>
+        </p:spPr>
+        <p:txBody>
+          <a:bodyPr vert="horz" lIns="91440" tIns="45720" rIns="91440" bIns="45720" rtlCol="0" anchor="t">
             <a:noAutofit/>
           </a:bodyPr>
-          <a:lstStyle/>
+          <a:lstStyle>
+            <a:lvl1pPr marL="0" indent="0" algn="l" defTabSz="914400" rtl="0" eaLnBrk="1" latinLnBrk="0" hangingPunct="1">
+              <a:lnSpc>
+                <a:spcPct val="130000"/>
+              </a:lnSpc>
+              <a:spcBef>
+                <a:spcPts val="1000"/>
+              </a:spcBef>
+              <a:buSzPct val="87000"/>
+              <a:buFont typeface="Arial" panose="020B0604020202020204" pitchFamily="34" charset="0"/>
+              <a:buNone/>
+              <a:defRPr sz="1800" b="1" kern="1200" cap="all" spc="300" baseline="0">
+                <a:solidFill>
+                  <a:schemeClr val="tx1"/>
+                </a:solidFill>
+                <a:latin typeface="+mn-lt"/>
+                <a:ea typeface="+mn-ea"/>
+                <a:cs typeface="+mn-cs"/>
+              </a:defRPr>
+            </a:lvl1pPr>
+            <a:lvl2pPr marL="457200" indent="0" algn="ctr" defTabSz="914400" rtl="0" eaLnBrk="1" latinLnBrk="0" hangingPunct="1">
+              <a:lnSpc>
+                <a:spcPct val="120000"/>
+              </a:lnSpc>
+              <a:spcBef>
+                <a:spcPts val="500"/>
+              </a:spcBef>
+              <a:buSzPct val="87000"/>
+              <a:buFont typeface="Arial" panose="020B0604020202020204" pitchFamily="34" charset="0"/>
+              <a:buNone/>
+              <a:defRPr sz="2000" kern="1200">
+                <a:solidFill>
+                  <a:schemeClr val="tx1"/>
+                </a:solidFill>
+                <a:latin typeface="+mn-lt"/>
+                <a:ea typeface="+mn-ea"/>
+                <a:cs typeface="+mn-cs"/>
+              </a:defRPr>
+            </a:lvl2pPr>
+            <a:lvl3pPr marL="914400" indent="0" algn="ctr" defTabSz="914400" rtl="0" eaLnBrk="1" latinLnBrk="0" hangingPunct="1">
+              <a:lnSpc>
+                <a:spcPct val="120000"/>
+              </a:lnSpc>
+              <a:spcBef>
+                <a:spcPts val="500"/>
+              </a:spcBef>
+              <a:buSzPct val="87000"/>
+              <a:buFont typeface="Arial" panose="020B0604020202020204" pitchFamily="34" charset="0"/>
+              <a:buNone/>
+              <a:defRPr sz="1800" kern="1200">
+                <a:solidFill>
+                  <a:schemeClr val="tx1"/>
+                </a:solidFill>
+                <a:latin typeface="+mn-lt"/>
+                <a:ea typeface="+mn-ea"/>
+                <a:cs typeface="+mn-cs"/>
+              </a:defRPr>
+            </a:lvl3pPr>
+            <a:lvl4pPr marL="1371600" indent="0" algn="ctr" defTabSz="914400" rtl="0" eaLnBrk="1" latinLnBrk="0" hangingPunct="1">
+              <a:lnSpc>
+                <a:spcPct val="120000"/>
+              </a:lnSpc>
+              <a:spcBef>
+                <a:spcPts val="500"/>
+              </a:spcBef>
+              <a:buSzPct val="87000"/>
+              <a:buFont typeface="Arial" panose="020B0604020202020204" pitchFamily="34" charset="0"/>
+              <a:buNone/>
+              <a:defRPr sz="1600" kern="1200">
+                <a:solidFill>
+                  <a:schemeClr val="tx1"/>
+                </a:solidFill>
+                <a:latin typeface="+mn-lt"/>
+                <a:ea typeface="+mn-ea"/>
+                <a:cs typeface="+mn-cs"/>
+              </a:defRPr>
+            </a:lvl4pPr>
+            <a:lvl5pPr marL="1828800" indent="0" algn="ctr" defTabSz="914400" rtl="0" eaLnBrk="1" latinLnBrk="0" hangingPunct="1">
+              <a:lnSpc>
+                <a:spcPct val="120000"/>
+              </a:lnSpc>
+              <a:spcBef>
+                <a:spcPts val="500"/>
+              </a:spcBef>
+              <a:buSzPct val="87000"/>
+              <a:buFont typeface="Arial" panose="020B0604020202020204" pitchFamily="34" charset="0"/>
+              <a:buNone/>
+              <a:defRPr sz="1600" kern="1200">
+                <a:solidFill>
+                  <a:schemeClr val="tx1"/>
+                </a:solidFill>
+                <a:latin typeface="+mn-lt"/>
+                <a:ea typeface="+mn-ea"/>
+                <a:cs typeface="+mn-cs"/>
+              </a:defRPr>
+            </a:lvl5pPr>
+            <a:lvl6pPr marL="2286000" indent="0" algn="ctr" defTabSz="914400" rtl="0" eaLnBrk="1" latinLnBrk="0" hangingPunct="1">
+              <a:lnSpc>
+                <a:spcPct val="90000"/>
+              </a:lnSpc>
+              <a:spcBef>
+                <a:spcPts val="500"/>
+              </a:spcBef>
+              <a:buFont typeface="Arial" panose="020B0604020202020204" pitchFamily="34" charset="0"/>
+              <a:buNone/>
+              <a:defRPr sz="1600" kern="1200">
+                <a:solidFill>
+                  <a:schemeClr val="tx1"/>
+                </a:solidFill>
+                <a:latin typeface="+mn-lt"/>
+                <a:ea typeface="+mn-ea"/>
+                <a:cs typeface="+mn-cs"/>
+              </a:defRPr>
+            </a:lvl6pPr>
+            <a:lvl7pPr marL="2743200" indent="0" algn="ctr" defTabSz="914400" rtl="0" eaLnBrk="1" latinLnBrk="0" hangingPunct="1">
+              <a:lnSpc>
+                <a:spcPct val="90000"/>
+              </a:lnSpc>
+              <a:spcBef>
+                <a:spcPts val="500"/>
+              </a:spcBef>
+              <a:buFont typeface="Arial" panose="020B0604020202020204" pitchFamily="34" charset="0"/>
+              <a:buNone/>
+              <a:defRPr sz="1600" kern="1200">
+                <a:solidFill>
+                  <a:schemeClr val="tx1"/>
+                </a:solidFill>
+                <a:latin typeface="+mn-lt"/>
+                <a:ea typeface="+mn-ea"/>
+                <a:cs typeface="+mn-cs"/>
+              </a:defRPr>
+            </a:lvl7pPr>
+            <a:lvl8pPr marL="3200400" indent="0" algn="ctr" defTabSz="914400" rtl="0" eaLnBrk="1" latinLnBrk="0" hangingPunct="1">
+              <a:lnSpc>
+                <a:spcPct val="90000"/>
+              </a:lnSpc>
+              <a:spcBef>
+                <a:spcPts val="500"/>
+              </a:spcBef>
+              <a:buFont typeface="Arial" panose="020B0604020202020204" pitchFamily="34" charset="0"/>
+              <a:buNone/>
+              <a:defRPr sz="1600" kern="1200">
+                <a:solidFill>
+                  <a:schemeClr val="tx1"/>
+                </a:solidFill>
+                <a:latin typeface="+mn-lt"/>
+                <a:ea typeface="+mn-ea"/>
+                <a:cs typeface="+mn-cs"/>
+              </a:defRPr>
+            </a:lvl8pPr>
+            <a:lvl9pPr marL="3657600" indent="0" algn="ctr" defTabSz="914400" rtl="0" eaLnBrk="1" latinLnBrk="0" hangingPunct="1">
+              <a:lnSpc>
+                <a:spcPct val="90000"/>
+              </a:lnSpc>
+              <a:spcBef>
+                <a:spcPts val="500"/>
+              </a:spcBef>
+              <a:buFont typeface="Arial" panose="020B0604020202020204" pitchFamily="34" charset="0"/>
+              <a:buNone/>
+              <a:defRPr sz="1600" kern="1200">
+                <a:solidFill>
+                  <a:schemeClr val="tx1"/>
+                </a:solidFill>
+                <a:latin typeface="+mn-lt"/>
+                <a:ea typeface="+mn-ea"/>
+                <a:cs typeface="+mn-cs"/>
+              </a:defRPr>
+            </a:lvl9pPr>
+          </a:lstStyle>
           <a:p>
             <a:pPr>
               <a:lnSpc>
@@ -4724,49 +5790,10 @@
           </a:p>
         </p:txBody>
       </p:sp>
-      <p:sp>
-        <p:nvSpPr>
-          <p:cNvPr id="2" name="Title 1">
-            <a:extLst>
-              <a:ext uri="{FF2B5EF4-FFF2-40B4-BE49-F238E27FC236}">
-                <a16:creationId xmlns:a16="http://schemas.microsoft.com/office/drawing/2014/main" id="{56C4BC4D-536F-9435-CD6C-36510E04724E}"/>
-              </a:ext>
-            </a:extLst>
-          </p:cNvPr>
-          <p:cNvSpPr>
-            <a:spLocks noGrp="1"/>
-          </p:cNvSpPr>
-          <p:nvPr>
-            <p:ph type="ctrTitle"/>
-          </p:nvPr>
-        </p:nvSpPr>
-        <p:spPr>
-          <a:xfrm>
-            <a:off x="262550" y="190122"/>
-            <a:ext cx="4758673" cy="2168458"/>
-          </a:xfrm>
-        </p:spPr>
-        <p:txBody>
-          <a:bodyPr anchor="t">
-            <a:noAutofit/>
-          </a:bodyPr>
-          <a:lstStyle/>
-          <a:p>
-            <a:r>
-              <a:rPr lang="en-US" sz="3600" dirty="0">
-                <a:solidFill>
-                  <a:srgbClr val="FFFFFF"/>
-                </a:solidFill>
-              </a:rPr>
-              <a:t>Account Feature</a:t>
-            </a:r>
-          </a:p>
-        </p:txBody>
-      </p:sp>
     </p:spTree>
     <p:extLst>
       <p:ext uri="{BB962C8B-B14F-4D97-AF65-F5344CB8AC3E}">
-        <p14:creationId xmlns:p14="http://schemas.microsoft.com/office/powerpoint/2010/main" val="1074620148"/>
+        <p14:creationId xmlns:p14="http://schemas.microsoft.com/office/powerpoint/2010/main" val="937020600"/>
       </p:ext>
     </p:extLst>
   </p:cSld>
@@ -5492,7 +6519,7 @@
           <a:p>
             <a:r>
               <a:rPr lang="en-US" dirty="0"/>
-              <a:t>Assignment System	</a:t>
+              <a:t>Assignment	</a:t>
             </a:r>
           </a:p>
         </p:txBody>
